--- a/MicrobesFood/4th draft of poster.pptx
+++ b/MicrobesFood/4th draft of poster.pptx
@@ -214,28 +214,28 @@
                 <c:formatCode>General</c:formatCode>
                 <c:ptCount val="8"/>
                 <c:pt idx="0">
-                  <c:v>13</c:v>
+                  <c:v>13.0</c:v>
                 </c:pt>
                 <c:pt idx="1">
-                  <c:v>1</c:v>
+                  <c:v>1.0</c:v>
                 </c:pt>
                 <c:pt idx="2">
-                  <c:v>63</c:v>
+                  <c:v>63.0</c:v>
                 </c:pt>
                 <c:pt idx="3">
-                  <c:v>5</c:v>
+                  <c:v>5.0</c:v>
                 </c:pt>
                 <c:pt idx="4">
-                  <c:v>4</c:v>
+                  <c:v>4.0</c:v>
                 </c:pt>
                 <c:pt idx="5">
-                  <c:v>41</c:v>
+                  <c:v>41.0</c:v>
                 </c:pt>
                 <c:pt idx="6">
-                  <c:v>35</c:v>
+                  <c:v>35.0</c:v>
                 </c:pt>
                 <c:pt idx="7">
-                  <c:v>12</c:v>
+                  <c:v>12.0</c:v>
                 </c:pt>
               </c:numCache>
             </c:numRef>
@@ -247,28 +247,28 @@
                 <c:formatCode>General</c:formatCode>
                 <c:ptCount val="8"/>
                 <c:pt idx="0">
-                  <c:v>0</c:v>
+                  <c:v>0.0</c:v>
                 </c:pt>
                 <c:pt idx="1">
-                  <c:v>4</c:v>
+                  <c:v>4.0</c:v>
                 </c:pt>
                 <c:pt idx="2">
-                  <c:v>5</c:v>
+                  <c:v>5.0</c:v>
                 </c:pt>
                 <c:pt idx="3">
-                  <c:v>0</c:v>
+                  <c:v>0.0</c:v>
                 </c:pt>
                 <c:pt idx="4">
-                  <c:v>2</c:v>
+                  <c:v>2.0</c:v>
                 </c:pt>
                 <c:pt idx="5">
-                  <c:v>1</c:v>
+                  <c:v>1.0</c:v>
                 </c:pt>
                 <c:pt idx="6">
-                  <c:v>2</c:v>
+                  <c:v>2.0</c:v>
                 </c:pt>
                 <c:pt idx="7">
-                  <c:v>1</c:v>
+                  <c:v>1.0</c:v>
                 </c:pt>
               </c:numCache>
             </c:numRef>
@@ -283,11 +283,11 @@
           <c:showPercent val="0"/>
           <c:showBubbleSize val="0"/>
         </c:dLbls>
-        <c:axId val="39708928"/>
-        <c:axId val="75440512"/>
+        <c:axId val="-2061828344"/>
+        <c:axId val="-2061823128"/>
       </c:scatterChart>
       <c:valAx>
-        <c:axId val="39708928"/>
+        <c:axId val="-2061828344"/>
         <c:scaling>
           <c:orientation val="minMax"/>
         </c:scaling>
@@ -316,12 +316,12 @@
         <c:majorTickMark val="out"/>
         <c:minorTickMark val="none"/>
         <c:tickLblPos val="nextTo"/>
-        <c:crossAx val="75440512"/>
+        <c:crossAx val="-2061823128"/>
         <c:crosses val="autoZero"/>
         <c:crossBetween val="midCat"/>
       </c:valAx>
       <c:valAx>
-        <c:axId val="75440512"/>
+        <c:axId val="-2061823128"/>
         <c:scaling>
           <c:orientation val="minMax"/>
         </c:scaling>
@@ -357,7 +357,7 @@
         <c:majorTickMark val="out"/>
         <c:minorTickMark val="none"/>
         <c:tickLblPos val="nextTo"/>
-        <c:crossAx val="39708928"/>
+        <c:crossAx val="-2061828344"/>
         <c:crosses val="autoZero"/>
         <c:crossBetween val="midCat"/>
       </c:valAx>
@@ -382,7 +382,49 @@
   <c:externalData r:id="rId1">
     <c:autoUpdate val="0"/>
   </c:externalData>
+  <c:userShapes r:id="rId2"/>
 </c:chartSpace>
+</file>
+
+<file path=ppt/drawings/drawing1.xml><?xml version="1.0" encoding="utf-8"?>
+<c:userShapes xmlns:c="http://schemas.openxmlformats.org/drawingml/2006/chart">
+  <cdr:relSizeAnchor xmlns:cdr="http://schemas.openxmlformats.org/drawingml/2006/chartDrawing">
+    <cdr:from>
+      <cdr:x>0.70259</cdr:x>
+      <cdr:y>0.50617</cdr:y>
+    </cdr:from>
+    <cdr:to>
+      <cdr:x>0.80603</cdr:x>
+      <cdr:y>0.65432</cdr:y>
+    </cdr:to>
+    <cdr:sp macro="" textlink="">
+      <cdr:nvSpPr>
+        <cdr:cNvPr id="2" name="TextBox 1"/>
+        <cdr:cNvSpPr txBox="1"/>
+      </cdr:nvSpPr>
+      <cdr:spPr>
+        <a:xfrm xmlns:a="http://schemas.openxmlformats.org/drawingml/2006/main">
+          <a:off x="6210300" y="3124200"/>
+          <a:ext cx="914400" cy="914400"/>
+        </a:xfrm>
+        <a:prstGeom xmlns:a="http://schemas.openxmlformats.org/drawingml/2006/main" prst="rect">
+          <a:avLst/>
+        </a:prstGeom>
+      </cdr:spPr>
+      <cdr:txBody>
+        <a:bodyPr xmlns:a="http://schemas.openxmlformats.org/drawingml/2006/main" vertOverflow="clip" wrap="none" rtlCol="0"/>
+        <a:lstStyle xmlns:a="http://schemas.openxmlformats.org/drawingml/2006/main"/>
+        <a:p xmlns:a="http://schemas.openxmlformats.org/drawingml/2006/main">
+          <a:r>
+            <a:rPr lang="en-US" sz="2800" dirty="0" smtClean="0"/>
+            <a:t>p-value=0.2</a:t>
+          </a:r>
+          <a:endParaRPr lang="en-US" sz="2800" dirty="0"/>
+        </a:p>
+      </cdr:txBody>
+    </cdr:sp>
+  </cdr:relSizeAnchor>
+</c:userShapes>
 </file>
 
 <file path=ppt/notesMasters/notesMaster1.xml><?xml version="1.0" encoding="utf-8"?>
@@ -468,7 +510,7 @@
             <a:fld id="{74FCAA34-1150-4B5D-836C-745C99385CD4}" type="datetimeFigureOut">
               <a:rPr lang="en-US" smtClean="0"/>
               <a:pPr/>
-              <a:t>4/6/2014</a:t>
+              <a:t>4/7/14</a:t>
             </a:fld>
             <a:endParaRPr lang="en-US" dirty="0"/>
           </a:p>
@@ -5842,14 +5884,7 @@
                 <a:latin typeface="Arial" panose="020B0604020202020204" pitchFamily="34" charset="0"/>
                 <a:cs typeface="Arial" panose="020B0604020202020204" pitchFamily="34" charset="0"/>
               </a:rPr>
-              <a:t>bio waste. </a:t>
-            </a:r>
-            <a:r>
-              <a:rPr lang="en-US" sz="2000" dirty="0" smtClean="0">
-                <a:latin typeface="Arial" panose="020B0604020202020204" pitchFamily="34" charset="0"/>
-                <a:cs typeface="Arial" panose="020B0604020202020204" pitchFamily="34" charset="0"/>
-              </a:rPr>
-              <a:t>Used </a:t>
+              <a:t>bio waste. Used </a:t>
             </a:r>
             <a:r>
               <a:rPr lang="en-US" sz="2000" dirty="0">
@@ -7955,7 +7990,7 @@
           <p:nvPr>
             <p:extLst>
               <p:ext uri="{D42A27DB-BD31-4B8C-83A1-F6EECF244321}">
-                <p14:modId xmlns:p14="http://schemas.microsoft.com/office/powerpoint/2010/main" val="4125133605"/>
+                <p14:modId xmlns:p14="http://schemas.microsoft.com/office/powerpoint/2010/main" val="2335169319"/>
               </p:ext>
             </p:extLst>
           </p:nvPr>
@@ -8226,21 +8261,7 @@
                 <a:latin typeface="Arial" panose="020B0604020202020204" pitchFamily="34" charset="0"/>
                 <a:cs typeface="Arial" panose="020B0604020202020204" pitchFamily="34" charset="0"/>
               </a:rPr>
-              <a:t>Plate containing </a:t>
-            </a:r>
-            <a:r>
-              <a:rPr lang="en-US" dirty="0" smtClean="0">
-                <a:latin typeface="Arial" panose="020B0604020202020204" pitchFamily="34" charset="0"/>
-                <a:cs typeface="Arial" panose="020B0604020202020204" pitchFamily="34" charset="0"/>
-              </a:rPr>
-              <a:t>63 colonies on the </a:t>
-            </a:r>
-            <a:r>
-              <a:rPr lang="en-US" dirty="0" smtClean="0">
-                <a:latin typeface="Arial" panose="020B0604020202020204" pitchFamily="34" charset="0"/>
-                <a:cs typeface="Arial" panose="020B0604020202020204" pitchFamily="34" charset="0"/>
-              </a:rPr>
-              <a:t>surface of W3</a:t>
+              <a:t>Plate containing 63 colonies on the surface of W3</a:t>
             </a:r>
             <a:endParaRPr lang="en-US" dirty="0">
               <a:latin typeface="Arial" panose="020B0604020202020204" pitchFamily="34" charset="0"/>
@@ -8319,14 +8340,7 @@
                 <a:latin typeface="Arial" panose="020B0604020202020204" pitchFamily="34" charset="0"/>
                 <a:cs typeface="Arial" panose="020B0604020202020204" pitchFamily="34" charset="0"/>
               </a:rPr>
-              <a:t>5 colonies  </a:t>
-            </a:r>
-            <a:r>
-              <a:rPr lang="en-US" dirty="0" smtClean="0">
-                <a:latin typeface="Arial" panose="020B0604020202020204" pitchFamily="34" charset="0"/>
-                <a:cs typeface="Arial" panose="020B0604020202020204" pitchFamily="34" charset="0"/>
-              </a:rPr>
-              <a:t>inside </a:t>
+              <a:t>5 colonies  inside </a:t>
             </a:r>
             <a:r>
               <a:rPr lang="en-US" dirty="0">
@@ -8414,21 +8428,7 @@
                 <a:latin typeface="Arial" panose="020B0604020202020204" pitchFamily="34" charset="0"/>
                 <a:cs typeface="Arial" panose="020B0604020202020204" pitchFamily="34" charset="0"/>
               </a:rPr>
-              <a:t>Plate containing </a:t>
-            </a:r>
-            <a:r>
-              <a:rPr lang="en-US" dirty="0" smtClean="0">
-                <a:latin typeface="Arial" panose="020B0604020202020204" pitchFamily="34" charset="0"/>
-                <a:cs typeface="Arial" panose="020B0604020202020204" pitchFamily="34" charset="0"/>
-              </a:rPr>
-              <a:t>35 colonies on the surface </a:t>
-            </a:r>
-            <a:r>
-              <a:rPr lang="en-US" dirty="0" smtClean="0">
-                <a:latin typeface="Arial" panose="020B0604020202020204" pitchFamily="34" charset="0"/>
-                <a:cs typeface="Arial" panose="020B0604020202020204" pitchFamily="34" charset="0"/>
-              </a:rPr>
-              <a:t>of S4</a:t>
+              <a:t>Plate containing 35 colonies on the surface of S4</a:t>
             </a:r>
             <a:endParaRPr lang="en-US" dirty="0">
               <a:latin typeface="Arial" panose="020B0604020202020204" pitchFamily="34" charset="0"/>
@@ -8500,21 +8500,7 @@
                 <a:latin typeface="Arial" panose="020B0604020202020204" pitchFamily="34" charset="0"/>
                 <a:cs typeface="Arial" panose="020B0604020202020204" pitchFamily="34" charset="0"/>
               </a:rPr>
-              <a:t>Plate containing </a:t>
-            </a:r>
-            <a:r>
-              <a:rPr lang="en-US" dirty="0" smtClean="0">
-                <a:latin typeface="Arial" panose="020B0604020202020204" pitchFamily="34" charset="0"/>
-                <a:cs typeface="Arial" panose="020B0604020202020204" pitchFamily="34" charset="0"/>
-              </a:rPr>
-              <a:t>2 colonies  </a:t>
-            </a:r>
-            <a:r>
-              <a:rPr lang="en-US" dirty="0" smtClean="0">
-                <a:latin typeface="Arial" panose="020B0604020202020204" pitchFamily="34" charset="0"/>
-                <a:cs typeface="Arial" panose="020B0604020202020204" pitchFamily="34" charset="0"/>
-              </a:rPr>
-              <a:t>inside of S4</a:t>
+              <a:t>Plate containing 2 colonies  inside of S4</a:t>
             </a:r>
             <a:endParaRPr lang="en-US" dirty="0">
               <a:latin typeface="Arial" panose="020B0604020202020204" pitchFamily="34" charset="0"/>
@@ -8608,21 +8594,7 @@
                 <a:latin typeface="Arial" panose="020B0604020202020204" pitchFamily="34" charset="0"/>
                 <a:cs typeface="Arial" panose="020B0604020202020204" pitchFamily="34" charset="0"/>
               </a:rPr>
-              <a:t>Plate containing </a:t>
-            </a:r>
-            <a:r>
-              <a:rPr lang="en-US" dirty="0" smtClean="0">
-                <a:latin typeface="Arial" panose="020B0604020202020204" pitchFamily="34" charset="0"/>
-                <a:cs typeface="Arial" panose="020B0604020202020204" pitchFamily="34" charset="0"/>
-              </a:rPr>
-              <a:t>3 colonies from the </a:t>
-            </a:r>
-            <a:r>
-              <a:rPr lang="en-US" dirty="0" smtClean="0">
-                <a:latin typeface="Arial" panose="020B0604020202020204" pitchFamily="34" charset="0"/>
-                <a:cs typeface="Arial" panose="020B0604020202020204" pitchFamily="34" charset="0"/>
-              </a:rPr>
-              <a:t>control orange juice from Spelman cafeteria</a:t>
+              <a:t>Plate containing 3 colonies from the control orange juice from Spelman cafeteria</a:t>
             </a:r>
           </a:p>
           <a:p>
@@ -8664,21 +8636,7 @@
                 <a:latin typeface="Arial" panose="020B0604020202020204" pitchFamily="34" charset="0"/>
                 <a:cs typeface="Arial" panose="020B0604020202020204" pitchFamily="34" charset="0"/>
               </a:rPr>
-              <a:t>no colonies on the c</a:t>
-            </a:r>
-            <a:r>
-              <a:rPr lang="en-US" dirty="0" smtClean="0">
-                <a:latin typeface="Arial" panose="020B0604020202020204" pitchFamily="34" charset="0"/>
-                <a:cs typeface="Arial" panose="020B0604020202020204" pitchFamily="34" charset="0"/>
-              </a:rPr>
-              <a:t>ontrol </a:t>
-            </a:r>
-            <a:r>
-              <a:rPr lang="en-US" dirty="0" smtClean="0">
-                <a:latin typeface="Arial" panose="020B0604020202020204" pitchFamily="34" charset="0"/>
-                <a:cs typeface="Arial" panose="020B0604020202020204" pitchFamily="34" charset="0"/>
-              </a:rPr>
-              <a:t>orange juice, Minute Maid,  </a:t>
+              <a:t>no colonies on the control orange juice, Minute Maid,  </a:t>
             </a:r>
             <a:r>
               <a:rPr lang="en-US" dirty="0">
@@ -8732,14 +8690,7 @@
                 <a:latin typeface="Arial" panose="020B0604020202020204" pitchFamily="34" charset="0"/>
                 <a:cs typeface="Arial" panose="020B0604020202020204" pitchFamily="34" charset="0"/>
               </a:rPr>
-              <a:t>Table 1 presents orange and lemon samples from Spelman College and Walmart with the amount of colonies </a:t>
-            </a:r>
-            <a:r>
-              <a:rPr lang="en-US" sz="2000" dirty="0" smtClean="0">
-                <a:latin typeface="Arial" panose="020B0604020202020204" pitchFamily="34" charset="0"/>
-                <a:cs typeface="Arial" panose="020B0604020202020204" pitchFamily="34" charset="0"/>
-              </a:rPr>
-              <a:t>counted</a:t>
+              <a:t>Table 1 presents orange and lemon samples from Spelman College and Walmart with the amount of colonies counted</a:t>
             </a:r>
             <a:endParaRPr lang="en-US" sz="2000" dirty="0">
               <a:latin typeface="Arial" panose="020B0604020202020204" pitchFamily="34" charset="0"/>
@@ -8775,14 +8726,7 @@
                 <a:latin typeface="Arial" panose="020B0604020202020204" pitchFamily="34" charset="0"/>
                 <a:cs typeface="Arial" panose="020B0604020202020204" pitchFamily="34" charset="0"/>
               </a:rPr>
-              <a:t>Graph 1: displays no correlation between the colonies present in the juice versus colonies found on the </a:t>
-            </a:r>
-            <a:r>
-              <a:rPr lang="en-US" dirty="0" smtClean="0">
-                <a:latin typeface="Arial" panose="020B0604020202020204" pitchFamily="34" charset="0"/>
-                <a:cs typeface="Arial" panose="020B0604020202020204" pitchFamily="34" charset="0"/>
-              </a:rPr>
-              <a:t>surface of the samples</a:t>
+              <a:t>Graph 1: displays no correlation between the colonies present in the juice versus colonies found on the surface of the samples</a:t>
             </a:r>
             <a:endParaRPr lang="en-US" dirty="0">
               <a:latin typeface="Arial" panose="020B0604020202020204" pitchFamily="34" charset="0"/>
@@ -9019,14 +8963,6 @@
                         </a:rPr>
                         <a:t>7</a:t>
                       </a:r>
-                      <a:endParaRPr lang="en-US" sz="2400" b="0" i="0" u="none" strike="noStrike" dirty="0">
-                        <a:solidFill>
-                          <a:srgbClr val="000000"/>
-                        </a:solidFill>
-                        <a:effectLst/>
-                        <a:latin typeface="Arial" panose="020B0604020202020204" pitchFamily="34" charset="0"/>
-                        <a:cs typeface="Arial" panose="020B0604020202020204" pitchFamily="34" charset="0"/>
-                      </a:endParaRPr>
                     </a:p>
                   </a:txBody>
                   <a:tcPr marL="12700" marR="12700" marT="12700" marB="0" anchor="ctr">
@@ -9153,14 +9089,6 @@
                         </a:rPr>
                         <a:t>4</a:t>
                       </a:r>
-                      <a:endParaRPr lang="en-US" sz="2400" b="0" i="0" u="none" strike="noStrike" dirty="0">
-                        <a:solidFill>
-                          <a:srgbClr val="000000"/>
-                        </a:solidFill>
-                        <a:effectLst/>
-                        <a:latin typeface="Arial" panose="020B0604020202020204" pitchFamily="34" charset="0"/>
-                        <a:cs typeface="Arial" panose="020B0604020202020204" pitchFamily="34" charset="0"/>
-                      </a:endParaRPr>
                     </a:p>
                   </a:txBody>
                   <a:tcPr marL="12700" marR="12700" marT="12700" marB="0" anchor="ctr">
@@ -9287,14 +9215,6 @@
                         </a:rPr>
                         <a:t>3</a:t>
                       </a:r>
-                      <a:endParaRPr lang="en-US" sz="2400" b="0" i="0" u="none" strike="noStrike" dirty="0">
-                        <a:solidFill>
-                          <a:srgbClr val="000000"/>
-                        </a:solidFill>
-                        <a:effectLst/>
-                        <a:latin typeface="Arial" panose="020B0604020202020204" pitchFamily="34" charset="0"/>
-                        <a:cs typeface="Arial" panose="020B0604020202020204" pitchFamily="34" charset="0"/>
-                      </a:endParaRPr>
                     </a:p>
                   </a:txBody>
                   <a:tcPr marL="12700" marR="12700" marT="12700" marB="0" anchor="ctr">
@@ -9421,14 +9341,6 @@
                         </a:rPr>
                         <a:t>0</a:t>
                       </a:r>
-                      <a:endParaRPr lang="en-US" sz="2400" b="0" i="0" u="none" strike="noStrike" dirty="0">
-                        <a:solidFill>
-                          <a:srgbClr val="000000"/>
-                        </a:solidFill>
-                        <a:effectLst/>
-                        <a:latin typeface="Arial" panose="020B0604020202020204" pitchFamily="34" charset="0"/>
-                        <a:cs typeface="Arial" panose="020B0604020202020204" pitchFamily="34" charset="0"/>
-                      </a:endParaRPr>
                     </a:p>
                   </a:txBody>
                   <a:tcPr marL="12700" marR="12700" marT="12700" marB="0" anchor="ctr">
@@ -9555,14 +9467,6 @@
                         </a:rPr>
                         <a:t>0</a:t>
                       </a:r>
-                      <a:endParaRPr lang="en-US" sz="2400" b="0" i="0" u="none" strike="noStrike" dirty="0">
-                        <a:solidFill>
-                          <a:srgbClr val="000000"/>
-                        </a:solidFill>
-                        <a:effectLst/>
-                        <a:latin typeface="Arial" panose="020B0604020202020204" pitchFamily="34" charset="0"/>
-                        <a:cs typeface="Arial" panose="020B0604020202020204" pitchFamily="34" charset="0"/>
-                      </a:endParaRPr>
                     </a:p>
                   </a:txBody>
                   <a:tcPr marL="12700" marR="12700" marT="12700" marB="0" anchor="ctr">
@@ -9689,14 +9593,6 @@
                         </a:rPr>
                         <a:t>0</a:t>
                       </a:r>
-                      <a:endParaRPr lang="en-US" sz="2400" b="0" i="0" u="none" strike="noStrike" dirty="0">
-                        <a:solidFill>
-                          <a:srgbClr val="000000"/>
-                        </a:solidFill>
-                        <a:effectLst/>
-                        <a:latin typeface="Arial" panose="020B0604020202020204" pitchFamily="34" charset="0"/>
-                        <a:cs typeface="Arial" panose="020B0604020202020204" pitchFamily="34" charset="0"/>
-                      </a:endParaRPr>
                     </a:p>
                   </a:txBody>
                   <a:tcPr marL="12700" marR="12700" marT="12700" marB="0" anchor="ctr">
@@ -10142,6 +10038,233 @@
               </a:rPr>
               <a:t>, H. Komatsu, Y. </a:t>
             </a:r>
+          </a:p>
+          <a:p>
+            <a:r>
+              <a:rPr lang="en-US" dirty="0" smtClean="0">
+                <a:latin typeface="Arial" panose="020B0604020202020204" pitchFamily="34" charset="0"/>
+                <a:cs typeface="Arial" panose="020B0604020202020204" pitchFamily="34" charset="0"/>
+              </a:rPr>
+              <a:t> </a:t>
+            </a:r>
+            <a:r>
+              <a:rPr lang="en-US" dirty="0" err="1">
+                <a:latin typeface="Arial" panose="020B0604020202020204" pitchFamily="34" charset="0"/>
+                <a:cs typeface="Arial" panose="020B0604020202020204" pitchFamily="34" charset="0"/>
+              </a:rPr>
+              <a:t>Obuchi</a:t>
+            </a:r>
+            <a:r>
+              <a:rPr lang="en-US" dirty="0">
+                <a:latin typeface="Arial" panose="020B0604020202020204" pitchFamily="34" charset="0"/>
+                <a:cs typeface="Arial" panose="020B0604020202020204" pitchFamily="34" charset="0"/>
+              </a:rPr>
+              <a:t>, K. &amp; </a:t>
+            </a:r>
+            <a:r>
+              <a:rPr lang="en-US" dirty="0" err="1">
+                <a:latin typeface="Arial" panose="020B0604020202020204" pitchFamily="34" charset="0"/>
+                <a:cs typeface="Arial" panose="020B0604020202020204" pitchFamily="34" charset="0"/>
+              </a:rPr>
+              <a:t>Iwashi</a:t>
+            </a:r>
+            <a:r>
+              <a:rPr lang="en-US" dirty="0">
+                <a:latin typeface="Arial" panose="020B0604020202020204" pitchFamily="34" charset="0"/>
+                <a:cs typeface="Arial" panose="020B0604020202020204" pitchFamily="34" charset="0"/>
+              </a:rPr>
+              <a:t>, Y. (2000). </a:t>
+            </a:r>
+            <a:r>
+              <a:rPr lang="en-US" b="1" dirty="0">
+                <a:latin typeface="Arial" panose="020B0604020202020204" pitchFamily="34" charset="0"/>
+                <a:cs typeface="Arial" panose="020B0604020202020204" pitchFamily="34" charset="0"/>
+              </a:rPr>
+              <a:t>Inhabitants of food spoilage yeasts and </a:t>
+            </a:r>
+            <a:r>
+              <a:rPr lang="en-US" b="1" dirty="0" err="1">
+                <a:latin typeface="Arial" panose="020B0604020202020204" pitchFamily="34" charset="0"/>
+                <a:cs typeface="Arial" panose="020B0604020202020204" pitchFamily="34" charset="0"/>
+              </a:rPr>
+              <a:t>aflatoxigenic</a:t>
+            </a:r>
+            <a:r>
+              <a:rPr lang="en-US" b="1" dirty="0">
+                <a:latin typeface="Arial" panose="020B0604020202020204" pitchFamily="34" charset="0"/>
+                <a:cs typeface="Arial" panose="020B0604020202020204" pitchFamily="34" charset="0"/>
+              </a:rPr>
+              <a:t> </a:t>
+            </a:r>
+            <a:r>
+              <a:rPr lang="en-US" b="1" dirty="0" err="1">
+                <a:latin typeface="Arial" panose="020B0604020202020204" pitchFamily="34" charset="0"/>
+                <a:cs typeface="Arial" panose="020B0604020202020204" pitchFamily="34" charset="0"/>
+              </a:rPr>
+              <a:t>moulds</a:t>
+            </a:r>
+            <a:r>
+              <a:rPr lang="en-US" b="1" dirty="0">
+                <a:latin typeface="Arial" panose="020B0604020202020204" pitchFamily="34" charset="0"/>
+                <a:cs typeface="Arial" panose="020B0604020202020204" pitchFamily="34" charset="0"/>
+              </a:rPr>
+              <a:t> by </a:t>
+            </a:r>
+            <a:r>
+              <a:rPr lang="en-US" b="1" dirty="0" err="1">
+                <a:latin typeface="Arial" panose="020B0604020202020204" pitchFamily="34" charset="0"/>
+                <a:cs typeface="Arial" panose="020B0604020202020204" pitchFamily="34" charset="0"/>
+              </a:rPr>
+              <a:t>monoterpenes</a:t>
+            </a:r>
+            <a:r>
+              <a:rPr lang="en-US" b="1" dirty="0">
+                <a:latin typeface="Arial" panose="020B0604020202020204" pitchFamily="34" charset="0"/>
+                <a:cs typeface="Arial" panose="020B0604020202020204" pitchFamily="34" charset="0"/>
+              </a:rPr>
+              <a:t> of the spice </a:t>
+            </a:r>
+            <a:r>
+              <a:rPr lang="en-US" b="1" dirty="0" err="1">
+                <a:latin typeface="Arial" panose="020B0604020202020204" pitchFamily="34" charset="0"/>
+                <a:cs typeface="Arial" panose="020B0604020202020204" pitchFamily="34" charset="0"/>
+              </a:rPr>
+              <a:t>Aframonum</a:t>
+            </a:r>
+            <a:r>
+              <a:rPr lang="en-US" b="1" dirty="0">
+                <a:latin typeface="Arial" panose="020B0604020202020204" pitchFamily="34" charset="0"/>
+                <a:cs typeface="Arial" panose="020B0604020202020204" pitchFamily="34" charset="0"/>
+              </a:rPr>
+              <a:t> Danielle. African</a:t>
+            </a:r>
+            <a:r>
+              <a:rPr lang="en-US" dirty="0">
+                <a:latin typeface="Arial" panose="020B0604020202020204" pitchFamily="34" charset="0"/>
+                <a:cs typeface="Arial" panose="020B0604020202020204" pitchFamily="34" charset="0"/>
+              </a:rPr>
+              <a:t> Journal of Biotechnology, 2(9), </a:t>
+            </a:r>
+            <a:r>
+              <a:rPr lang="en-US" dirty="0" smtClean="0">
+                <a:latin typeface="Arial" panose="020B0604020202020204" pitchFamily="34" charset="0"/>
+                <a:cs typeface="Arial" panose="020B0604020202020204" pitchFamily="34" charset="0"/>
+              </a:rPr>
+              <a:t>254-263</a:t>
+            </a:r>
+          </a:p>
+          <a:p>
+            <a:r>
+              <a:rPr lang="en-US" dirty="0">
+                <a:latin typeface="Arial" panose="020B0604020202020204" pitchFamily="34" charset="0"/>
+                <a:cs typeface="Arial" panose="020B0604020202020204" pitchFamily="34" charset="0"/>
+              </a:rPr>
+              <a:t/>
+            </a:r>
+            <a:br>
+              <a:rPr lang="en-US" dirty="0">
+                <a:latin typeface="Arial" panose="020B0604020202020204" pitchFamily="34" charset="0"/>
+                <a:cs typeface="Arial" panose="020B0604020202020204" pitchFamily="34" charset="0"/>
+              </a:rPr>
+            </a:br>
+            <a:r>
+              <a:rPr lang="en-US" dirty="0" smtClean="0">
+                <a:latin typeface="Arial" panose="020B0604020202020204" pitchFamily="34" charset="0"/>
+                <a:cs typeface="Arial" panose="020B0604020202020204" pitchFamily="34" charset="0"/>
+              </a:rPr>
+              <a:t>4. </a:t>
+            </a:r>
+            <a:r>
+              <a:rPr lang="en-US" dirty="0" err="1" smtClean="0">
+                <a:latin typeface="Arial" panose="020B0604020202020204" pitchFamily="34" charset="0"/>
+                <a:cs typeface="Arial" panose="020B0604020202020204" pitchFamily="34" charset="0"/>
+              </a:rPr>
+              <a:t>Cheak</a:t>
+            </a:r>
+            <a:r>
+              <a:rPr lang="en-US" dirty="0">
+                <a:latin typeface="Arial" panose="020B0604020202020204" pitchFamily="34" charset="0"/>
+                <a:cs typeface="Arial" panose="020B0604020202020204" pitchFamily="34" charset="0"/>
+              </a:rPr>
+              <a:t>, L.H. and Tran, T.B. (1995). </a:t>
+            </a:r>
+            <a:r>
+              <a:rPr lang="en-US" b="1" dirty="0">
+                <a:latin typeface="Arial" panose="020B0604020202020204" pitchFamily="34" charset="0"/>
+                <a:cs typeface="Arial" panose="020B0604020202020204" pitchFamily="34" charset="0"/>
+              </a:rPr>
+              <a:t>Postharvest </a:t>
+            </a:r>
+            <a:r>
+              <a:rPr lang="en-US" b="1" dirty="0" err="1">
+                <a:latin typeface="Arial" panose="020B0604020202020204" pitchFamily="34" charset="0"/>
+                <a:cs typeface="Arial" panose="020B0604020202020204" pitchFamily="34" charset="0"/>
+              </a:rPr>
+              <a:t>biocontrol</a:t>
+            </a:r>
+            <a:r>
+              <a:rPr lang="en-US" b="1" dirty="0">
+                <a:latin typeface="Arial" panose="020B0604020202020204" pitchFamily="34" charset="0"/>
+                <a:cs typeface="Arial" panose="020B0604020202020204" pitchFamily="34" charset="0"/>
+              </a:rPr>
+              <a:t> of </a:t>
+            </a:r>
+            <a:r>
+              <a:rPr lang="en-US" b="1" dirty="0" err="1">
+                <a:latin typeface="Arial" panose="020B0604020202020204" pitchFamily="34" charset="0"/>
+                <a:cs typeface="Arial" panose="020B0604020202020204" pitchFamily="34" charset="0"/>
+              </a:rPr>
+              <a:t>Penicillum</a:t>
+            </a:r>
+            <a:r>
+              <a:rPr lang="en-US" b="1" dirty="0">
+                <a:latin typeface="Arial" panose="020B0604020202020204" pitchFamily="34" charset="0"/>
+                <a:cs typeface="Arial" panose="020B0604020202020204" pitchFamily="34" charset="0"/>
+              </a:rPr>
+              <a:t> rot of lemons with industrial yeast</a:t>
+            </a:r>
+            <a:r>
+              <a:rPr lang="en-US" dirty="0">
+                <a:latin typeface="Arial" panose="020B0604020202020204" pitchFamily="34" charset="0"/>
+                <a:cs typeface="Arial" panose="020B0604020202020204" pitchFamily="34" charset="0"/>
+              </a:rPr>
+              <a:t>. </a:t>
+            </a:r>
+            <a:r>
+              <a:rPr lang="en-US" i="1" dirty="0">
+                <a:latin typeface="Arial" panose="020B0604020202020204" pitchFamily="34" charset="0"/>
+                <a:cs typeface="Arial" panose="020B0604020202020204" pitchFamily="34" charset="0"/>
+              </a:rPr>
+              <a:t>In Proceeding of the 48</a:t>
+            </a:r>
+            <a:r>
+              <a:rPr lang="en-US" i="1" baseline="30000" dirty="0">
+                <a:latin typeface="Arial" panose="020B0604020202020204" pitchFamily="34" charset="0"/>
+                <a:cs typeface="Arial" panose="020B0604020202020204" pitchFamily="34" charset="0"/>
+              </a:rPr>
+              <a:t>th</a:t>
+            </a:r>
+            <a:r>
+              <a:rPr lang="en-US" i="1" dirty="0">
+                <a:latin typeface="Arial" panose="020B0604020202020204" pitchFamily="34" charset="0"/>
+                <a:cs typeface="Arial" panose="020B0604020202020204" pitchFamily="34" charset="0"/>
+              </a:rPr>
+              <a:t> New Zealand Plant Protection Conference</a:t>
+            </a:r>
+            <a:r>
+              <a:rPr lang="en-US" dirty="0">
+                <a:latin typeface="Arial" panose="020B0604020202020204" pitchFamily="34" charset="0"/>
+                <a:cs typeface="Arial" panose="020B0604020202020204" pitchFamily="34" charset="0"/>
+              </a:rPr>
+              <a:t>. Retrieved February 10, </a:t>
+            </a:r>
+            <a:r>
+              <a:rPr lang="en-US" dirty="0" smtClean="0">
+                <a:latin typeface="Arial" panose="020B0604020202020204" pitchFamily="34" charset="0"/>
+                <a:cs typeface="Arial" panose="020B0604020202020204" pitchFamily="34" charset="0"/>
+              </a:rPr>
+              <a:t>2014</a:t>
+            </a:r>
             <a:endParaRPr lang="en-US" dirty="0">
               <a:latin typeface="Arial" panose="020B0604020202020204" pitchFamily="34" charset="0"/>
               <a:cs typeface="Arial" panose="020B0604020202020204" pitchFamily="34" charset="0"/>
@@ -10149,120 +10272,6 @@
           </a:p>
           <a:p>
             <a:r>
-              <a:rPr lang="en-US" dirty="0" smtClean="0">
-                <a:latin typeface="Arial" panose="020B0604020202020204" pitchFamily="34" charset="0"/>
-                <a:cs typeface="Arial" panose="020B0604020202020204" pitchFamily="34" charset="0"/>
-              </a:rPr>
-              <a:t> </a:t>
-            </a:r>
-            <a:r>
-              <a:rPr lang="en-US" dirty="0" err="1">
-                <a:latin typeface="Arial" panose="020B0604020202020204" pitchFamily="34" charset="0"/>
-                <a:cs typeface="Arial" panose="020B0604020202020204" pitchFamily="34" charset="0"/>
-              </a:rPr>
-              <a:t>Obuchi</a:t>
-            </a:r>
-            <a:r>
-              <a:rPr lang="en-US" dirty="0">
-                <a:latin typeface="Arial" panose="020B0604020202020204" pitchFamily="34" charset="0"/>
-                <a:cs typeface="Arial" panose="020B0604020202020204" pitchFamily="34" charset="0"/>
-              </a:rPr>
-              <a:t>, K. &amp; </a:t>
-            </a:r>
-            <a:r>
-              <a:rPr lang="en-US" dirty="0" err="1">
-                <a:latin typeface="Arial" panose="020B0604020202020204" pitchFamily="34" charset="0"/>
-                <a:cs typeface="Arial" panose="020B0604020202020204" pitchFamily="34" charset="0"/>
-              </a:rPr>
-              <a:t>Iwashi</a:t>
-            </a:r>
-            <a:r>
-              <a:rPr lang="en-US" dirty="0">
-                <a:latin typeface="Arial" panose="020B0604020202020204" pitchFamily="34" charset="0"/>
-                <a:cs typeface="Arial" panose="020B0604020202020204" pitchFamily="34" charset="0"/>
-              </a:rPr>
-              <a:t>, Y. (2000). </a:t>
-            </a:r>
-            <a:r>
-              <a:rPr lang="en-US" b="1" dirty="0">
-                <a:latin typeface="Arial" panose="020B0604020202020204" pitchFamily="34" charset="0"/>
-                <a:cs typeface="Arial" panose="020B0604020202020204" pitchFamily="34" charset="0"/>
-              </a:rPr>
-              <a:t>Inhabitants of food spoilage yeasts and </a:t>
-            </a:r>
-            <a:r>
-              <a:rPr lang="en-US" b="1" dirty="0" err="1">
-                <a:latin typeface="Arial" panose="020B0604020202020204" pitchFamily="34" charset="0"/>
-                <a:cs typeface="Arial" panose="020B0604020202020204" pitchFamily="34" charset="0"/>
-              </a:rPr>
-              <a:t>aflatoxigenic</a:t>
-            </a:r>
-            <a:r>
-              <a:rPr lang="en-US" b="1" dirty="0">
-                <a:latin typeface="Arial" panose="020B0604020202020204" pitchFamily="34" charset="0"/>
-                <a:cs typeface="Arial" panose="020B0604020202020204" pitchFamily="34" charset="0"/>
-              </a:rPr>
-              <a:t> </a:t>
-            </a:r>
-            <a:r>
-              <a:rPr lang="en-US" b="1" dirty="0" err="1">
-                <a:latin typeface="Arial" panose="020B0604020202020204" pitchFamily="34" charset="0"/>
-                <a:cs typeface="Arial" panose="020B0604020202020204" pitchFamily="34" charset="0"/>
-              </a:rPr>
-              <a:t>moulds</a:t>
-            </a:r>
-            <a:r>
-              <a:rPr lang="en-US" b="1" dirty="0">
-                <a:latin typeface="Arial" panose="020B0604020202020204" pitchFamily="34" charset="0"/>
-                <a:cs typeface="Arial" panose="020B0604020202020204" pitchFamily="34" charset="0"/>
-              </a:rPr>
-              <a:t> by </a:t>
-            </a:r>
-            <a:r>
-              <a:rPr lang="en-US" b="1" dirty="0" err="1">
-                <a:latin typeface="Arial" panose="020B0604020202020204" pitchFamily="34" charset="0"/>
-                <a:cs typeface="Arial" panose="020B0604020202020204" pitchFamily="34" charset="0"/>
-              </a:rPr>
-              <a:t>monoterpenes</a:t>
-            </a:r>
-            <a:r>
-              <a:rPr lang="en-US" b="1" dirty="0">
-                <a:latin typeface="Arial" panose="020B0604020202020204" pitchFamily="34" charset="0"/>
-                <a:cs typeface="Arial" panose="020B0604020202020204" pitchFamily="34" charset="0"/>
-              </a:rPr>
-              <a:t> of the spice </a:t>
-            </a:r>
-            <a:r>
-              <a:rPr lang="en-US" b="1" dirty="0" err="1">
-                <a:latin typeface="Arial" panose="020B0604020202020204" pitchFamily="34" charset="0"/>
-                <a:cs typeface="Arial" panose="020B0604020202020204" pitchFamily="34" charset="0"/>
-              </a:rPr>
-              <a:t>Aframonum</a:t>
-            </a:r>
-            <a:r>
-              <a:rPr lang="en-US" b="1" dirty="0">
-                <a:latin typeface="Arial" panose="020B0604020202020204" pitchFamily="34" charset="0"/>
-                <a:cs typeface="Arial" panose="020B0604020202020204" pitchFamily="34" charset="0"/>
-              </a:rPr>
-              <a:t> Danielle. African</a:t>
-            </a:r>
-            <a:r>
-              <a:rPr lang="en-US" dirty="0">
-                <a:latin typeface="Arial" panose="020B0604020202020204" pitchFamily="34" charset="0"/>
-                <a:cs typeface="Arial" panose="020B0604020202020204" pitchFamily="34" charset="0"/>
-              </a:rPr>
-              <a:t> Journal of Biotechnology, 2(9), </a:t>
-            </a:r>
-            <a:r>
-              <a:rPr lang="en-US" dirty="0" smtClean="0">
-                <a:latin typeface="Arial" panose="020B0604020202020204" pitchFamily="34" charset="0"/>
-                <a:cs typeface="Arial" panose="020B0604020202020204" pitchFamily="34" charset="0"/>
-              </a:rPr>
-              <a:t>254-263</a:t>
-            </a:r>
-          </a:p>
-          <a:p>
-            <a:r>
               <a:rPr lang="en-US" dirty="0">
                 <a:latin typeface="Arial" panose="020B0604020202020204" pitchFamily="34" charset="0"/>
                 <a:cs typeface="Arial" panose="020B0604020202020204" pitchFamily="34" charset="0"/>
@@ -10280,56 +10289,28 @@
                 <a:latin typeface="Arial" panose="020B0604020202020204" pitchFamily="34" charset="0"/>
                 <a:cs typeface="Arial" panose="020B0604020202020204" pitchFamily="34" charset="0"/>
               </a:rPr>
-              <a:t>4. </a:t>
+              <a:t>5. </a:t>
             </a:r>
             <a:r>
               <a:rPr lang="en-US" dirty="0" err="1" smtClean="0">
                 <a:latin typeface="Arial" panose="020B0604020202020204" pitchFamily="34" charset="0"/>
                 <a:cs typeface="Arial" panose="020B0604020202020204" pitchFamily="34" charset="0"/>
               </a:rPr>
-              <a:t>Cheak</a:t>
+              <a:t>Tufarelli</a:t>
             </a:r>
             <a:r>
               <a:rPr lang="en-US" dirty="0">
                 <a:latin typeface="Arial" panose="020B0604020202020204" pitchFamily="34" charset="0"/>
                 <a:cs typeface="Arial" panose="020B0604020202020204" pitchFamily="34" charset="0"/>
               </a:rPr>
-              <a:t>, L.H. and Tran, T.B. (1995). </a:t>
+              <a:t>, M. </a:t>
             </a:r>
             <a:r>
               <a:rPr lang="en-US" b="1" dirty="0">
                 <a:latin typeface="Arial" panose="020B0604020202020204" pitchFamily="34" charset="0"/>
                 <a:cs typeface="Arial" panose="020B0604020202020204" pitchFamily="34" charset="0"/>
               </a:rPr>
-              <a:t>Postharvest </a:t>
-            </a:r>
-            <a:r>
-              <a:rPr lang="en-US" b="1" dirty="0" err="1">
-                <a:latin typeface="Arial" panose="020B0604020202020204" pitchFamily="34" charset="0"/>
-                <a:cs typeface="Arial" panose="020B0604020202020204" pitchFamily="34" charset="0"/>
-              </a:rPr>
-              <a:t>biocontrol</a:t>
-            </a:r>
-            <a:r>
-              <a:rPr lang="en-US" b="1" dirty="0">
-                <a:latin typeface="Arial" panose="020B0604020202020204" pitchFamily="34" charset="0"/>
-                <a:cs typeface="Arial" panose="020B0604020202020204" pitchFamily="34" charset="0"/>
-              </a:rPr>
-              <a:t> of </a:t>
-            </a:r>
-            <a:r>
-              <a:rPr lang="en-US" b="1" dirty="0" err="1">
-                <a:latin typeface="Arial" panose="020B0604020202020204" pitchFamily="34" charset="0"/>
-                <a:cs typeface="Arial" panose="020B0604020202020204" pitchFamily="34" charset="0"/>
-              </a:rPr>
-              <a:t>Penicillum</a:t>
-            </a:r>
-            <a:r>
-              <a:rPr lang="en-US" b="1" dirty="0">
-                <a:latin typeface="Arial" panose="020B0604020202020204" pitchFamily="34" charset="0"/>
-                <a:cs typeface="Arial" panose="020B0604020202020204" pitchFamily="34" charset="0"/>
-              </a:rPr>
-              <a:t> rot of lemons with industrial yeast</a:t>
+              <a:t>Love your lemons</a:t>
             </a:r>
             <a:r>
               <a:rPr lang="en-US" dirty="0">
@@ -10343,108 +10324,15 @@
                 <a:latin typeface="Arial" panose="020B0604020202020204" pitchFamily="34" charset="0"/>
                 <a:cs typeface="Arial" panose="020B0604020202020204" pitchFamily="34" charset="0"/>
               </a:rPr>
-              <a:t>In Proceeding of the 48</a:t>
-            </a:r>
-            <a:r>
-              <a:rPr lang="en-US" i="1" baseline="30000" dirty="0">
-                <a:latin typeface="Arial" panose="020B0604020202020204" pitchFamily="34" charset="0"/>
-                <a:cs typeface="Arial" panose="020B0604020202020204" pitchFamily="34" charset="0"/>
-              </a:rPr>
-              <a:t>th</a:t>
-            </a:r>
-            <a:r>
-              <a:rPr lang="en-US" i="1" dirty="0">
-                <a:latin typeface="Arial" panose="020B0604020202020204" pitchFamily="34" charset="0"/>
-                <a:cs typeface="Arial" panose="020B0604020202020204" pitchFamily="34" charset="0"/>
-              </a:rPr>
-              <a:t> New Zealand Plant Protection Conference</a:t>
+              <a:t>Pioneer Thinking.</a:t>
             </a:r>
             <a:r>
               <a:rPr lang="en-US" dirty="0">
                 <a:latin typeface="Arial" panose="020B0604020202020204" pitchFamily="34" charset="0"/>
                 <a:cs typeface="Arial" panose="020B0604020202020204" pitchFamily="34" charset="0"/>
               </a:rPr>
-              <a:t>. Retrieved February 10, </a:t>
-            </a:r>
-            <a:r>
-              <a:rPr lang="en-US" dirty="0" smtClean="0">
-                <a:latin typeface="Arial" panose="020B0604020202020204" pitchFamily="34" charset="0"/>
-                <a:cs typeface="Arial" panose="020B0604020202020204" pitchFamily="34" charset="0"/>
-              </a:rPr>
-              <a:t>2014</a:t>
-            </a:r>
-            <a:endParaRPr lang="en-US" dirty="0">
-              <a:latin typeface="Arial" panose="020B0604020202020204" pitchFamily="34" charset="0"/>
-              <a:cs typeface="Arial" panose="020B0604020202020204" pitchFamily="34" charset="0"/>
-            </a:endParaRPr>
-          </a:p>
-          <a:p>
-            <a:r>
-              <a:rPr lang="en-US" dirty="0">
-                <a:latin typeface="Arial" panose="020B0604020202020204" pitchFamily="34" charset="0"/>
-                <a:cs typeface="Arial" panose="020B0604020202020204" pitchFamily="34" charset="0"/>
-              </a:rPr>
-              <a:t/>
-            </a:r>
-            <a:br>
-              <a:rPr lang="en-US" dirty="0">
-                <a:latin typeface="Arial" panose="020B0604020202020204" pitchFamily="34" charset="0"/>
-                <a:cs typeface="Arial" panose="020B0604020202020204" pitchFamily="34" charset="0"/>
-              </a:rPr>
-            </a:br>
-            <a:r>
-              <a:rPr lang="en-US" dirty="0" smtClean="0">
-                <a:latin typeface="Arial" panose="020B0604020202020204" pitchFamily="34" charset="0"/>
-                <a:cs typeface="Arial" panose="020B0604020202020204" pitchFamily="34" charset="0"/>
-              </a:rPr>
-              <a:t>5. </a:t>
-            </a:r>
-            <a:r>
-              <a:rPr lang="en-US" dirty="0" err="1" smtClean="0">
-                <a:latin typeface="Arial" panose="020B0604020202020204" pitchFamily="34" charset="0"/>
-                <a:cs typeface="Arial" panose="020B0604020202020204" pitchFamily="34" charset="0"/>
-              </a:rPr>
-              <a:t>Tufarelli</a:t>
-            </a:r>
-            <a:r>
-              <a:rPr lang="en-US" dirty="0">
-                <a:latin typeface="Arial" panose="020B0604020202020204" pitchFamily="34" charset="0"/>
-                <a:cs typeface="Arial" panose="020B0604020202020204" pitchFamily="34" charset="0"/>
-              </a:rPr>
-              <a:t>, M. </a:t>
-            </a:r>
-            <a:r>
-              <a:rPr lang="en-US" b="1" dirty="0">
-                <a:latin typeface="Arial" panose="020B0604020202020204" pitchFamily="34" charset="0"/>
-                <a:cs typeface="Arial" panose="020B0604020202020204" pitchFamily="34" charset="0"/>
-              </a:rPr>
-              <a:t>Love your lemons</a:t>
-            </a:r>
-            <a:r>
-              <a:rPr lang="en-US" dirty="0">
-                <a:latin typeface="Arial" panose="020B0604020202020204" pitchFamily="34" charset="0"/>
-                <a:cs typeface="Arial" panose="020B0604020202020204" pitchFamily="34" charset="0"/>
-              </a:rPr>
-              <a:t>. </a:t>
-            </a:r>
-            <a:r>
-              <a:rPr lang="en-US" i="1" dirty="0">
-                <a:latin typeface="Arial" panose="020B0604020202020204" pitchFamily="34" charset="0"/>
-                <a:cs typeface="Arial" panose="020B0604020202020204" pitchFamily="34" charset="0"/>
-              </a:rPr>
-              <a:t>Pioneer Thinking.</a:t>
-            </a:r>
-            <a:r>
-              <a:rPr lang="en-US" dirty="0">
-                <a:latin typeface="Arial" panose="020B0604020202020204" pitchFamily="34" charset="0"/>
-                <a:cs typeface="Arial" panose="020B0604020202020204" pitchFamily="34" charset="0"/>
-              </a:rPr>
               <a:t> Retrieved February 10, 2014, from http://www.pioneerthinking.com/rbt14.html</a:t>
             </a:r>
-            <a:endParaRPr lang="en-US" dirty="0">
-              <a:latin typeface="Arial" panose="020B0604020202020204" pitchFamily="34" charset="0"/>
-              <a:cs typeface="Arial" panose="020B0604020202020204" pitchFamily="34" charset="0"/>
-            </a:endParaRPr>
           </a:p>
         </p:txBody>
       </p:sp>
@@ -10509,7 +10397,7 @@
   <p:timing>
     <p:tnLst>
       <p:par>
-        <p:cTn id="1" dur="indefinite" restart="never" nodeType="tmRoot"/>
+        <p:cTn xmlns:p14="http://schemas.microsoft.com/office/powerpoint/2010/main" id="1" dur="indefinite" restart="never" nodeType="tmRoot"/>
       </p:par>
     </p:tnLst>
   </p:timing>
